--- a/Presentación-final-SW2-1.pptx
+++ b/Presentación-final-SW2-1.pptx
@@ -14105,6 +14105,16 @@
             </a:r>
           </a:p>
           <a:p>
+            <a:pPr marL="800100" lvl="1" indent="-342900" algn="just">
+              <a:buFont typeface="+mj-lt"/>
+              <a:buAutoNum type="arabicPeriod"/>
+            </a:pPr>
+            <a:r>
+              <a:rPr lang="es-ES" dirty="0"/>
+              <a:t>Otro problema fue el trabajar cada uno en su propio repositorio en vez de hacerlo en uno solo, ya que pensamos que seria mas rápido y evitaríamos problemas como dañar el master.</a:t>
+            </a:r>
+          </a:p>
+          <a:p>
             <a:pPr marL="457200" lvl="1" indent="0">
               <a:buNone/>
             </a:pPr>
@@ -14135,8 +14145,8 @@
         </p:blipFill>
         <p:spPr bwMode="auto">
           <a:xfrm>
-            <a:off x="6156959" y="4817843"/>
-            <a:ext cx="4188824" cy="1963511"/>
+            <a:off x="7686552" y="5440869"/>
+            <a:ext cx="2862231" cy="1341671"/>
           </a:xfrm>
           <a:prstGeom prst="rect">
             <a:avLst/>

--- a/Presentación-final-SW2-1.pptx
+++ b/Presentación-final-SW2-1.pptx
@@ -15084,10 +15084,10 @@
       </p:sp>
       <p:pic>
         <p:nvPicPr>
-          <p:cNvPr id="10" name="Marcador de contenido 9">
+          <p:cNvPr id="5" name="Marcador de contenido 4">
             <a:extLst>
               <a:ext uri="{FF2B5EF4-FFF2-40B4-BE49-F238E27FC236}">
-                <a16:creationId xmlns:a16="http://schemas.microsoft.com/office/drawing/2014/main" id="{3C70119B-9CB2-49C0-91D0-F757744330D8}"/>
+                <a16:creationId xmlns:a16="http://schemas.microsoft.com/office/drawing/2014/main" id="{785E31B4-928C-4685-A782-443D5D56ED76}"/>
               </a:ext>
             </a:extLst>
           </p:cNvPr>
@@ -15098,15 +15098,16 @@
             <p:ph idx="1"/>
           </p:nvPr>
         </p:nvPicPr>
-        <p:blipFill rotWithShape="1">
+        <p:blipFill>
           <a:blip r:embed="rId2"/>
-          <a:srcRect t="894"/>
-          <a:stretch/>
+          <a:stretch>
+            <a:fillRect/>
+          </a:stretch>
         </p:blipFill>
         <p:spPr>
           <a:xfrm>
-            <a:off x="1461052" y="1255033"/>
-            <a:ext cx="9203635" cy="5578311"/>
+            <a:off x="1321905" y="1237389"/>
+            <a:ext cx="9392478" cy="5610891"/>
           </a:xfrm>
           <a:prstGeom prst="rect">
             <a:avLst/>
